--- a/docs/figs/examples.pptx
+++ b/docs/figs/examples.pptx
@@ -261,7 +261,7 @@
           <a:p>
             <a:fld id="{3A3DAC69-0AA4-486B-8CBF-6B9058B1A6A1}" type="datetimeFigureOut">
               <a:rPr lang="en-NL" smtClean="0"/>
-              <a:t>11/07/2025</a:t>
+              <a:t>12/07/2025</a:t>
             </a:fld>
             <a:endParaRPr lang="en-NL"/>
           </a:p>
@@ -461,7 +461,7 @@
           <a:p>
             <a:fld id="{3A3DAC69-0AA4-486B-8CBF-6B9058B1A6A1}" type="datetimeFigureOut">
               <a:rPr lang="en-NL" smtClean="0"/>
-              <a:t>11/07/2025</a:t>
+              <a:t>12/07/2025</a:t>
             </a:fld>
             <a:endParaRPr lang="en-NL"/>
           </a:p>
@@ -671,7 +671,7 @@
           <a:p>
             <a:fld id="{3A3DAC69-0AA4-486B-8CBF-6B9058B1A6A1}" type="datetimeFigureOut">
               <a:rPr lang="en-NL" smtClean="0"/>
-              <a:t>11/07/2025</a:t>
+              <a:t>12/07/2025</a:t>
             </a:fld>
             <a:endParaRPr lang="en-NL"/>
           </a:p>
@@ -871,7 +871,7 @@
           <a:p>
             <a:fld id="{3A3DAC69-0AA4-486B-8CBF-6B9058B1A6A1}" type="datetimeFigureOut">
               <a:rPr lang="en-NL" smtClean="0"/>
-              <a:t>11/07/2025</a:t>
+              <a:t>12/07/2025</a:t>
             </a:fld>
             <a:endParaRPr lang="en-NL"/>
           </a:p>
@@ -1147,7 +1147,7 @@
           <a:p>
             <a:fld id="{3A3DAC69-0AA4-486B-8CBF-6B9058B1A6A1}" type="datetimeFigureOut">
               <a:rPr lang="en-NL" smtClean="0"/>
-              <a:t>11/07/2025</a:t>
+              <a:t>12/07/2025</a:t>
             </a:fld>
             <a:endParaRPr lang="en-NL"/>
           </a:p>
@@ -1415,7 +1415,7 @@
           <a:p>
             <a:fld id="{3A3DAC69-0AA4-486B-8CBF-6B9058B1A6A1}" type="datetimeFigureOut">
               <a:rPr lang="en-NL" smtClean="0"/>
-              <a:t>11/07/2025</a:t>
+              <a:t>12/07/2025</a:t>
             </a:fld>
             <a:endParaRPr lang="en-NL"/>
           </a:p>
@@ -1830,7 +1830,7 @@
           <a:p>
             <a:fld id="{3A3DAC69-0AA4-486B-8CBF-6B9058B1A6A1}" type="datetimeFigureOut">
               <a:rPr lang="en-NL" smtClean="0"/>
-              <a:t>11/07/2025</a:t>
+              <a:t>12/07/2025</a:t>
             </a:fld>
             <a:endParaRPr lang="en-NL"/>
           </a:p>
@@ -1972,7 +1972,7 @@
           <a:p>
             <a:fld id="{3A3DAC69-0AA4-486B-8CBF-6B9058B1A6A1}" type="datetimeFigureOut">
               <a:rPr lang="en-NL" smtClean="0"/>
-              <a:t>11/07/2025</a:t>
+              <a:t>12/07/2025</a:t>
             </a:fld>
             <a:endParaRPr lang="en-NL"/>
           </a:p>
@@ -2085,7 +2085,7 @@
           <a:p>
             <a:fld id="{3A3DAC69-0AA4-486B-8CBF-6B9058B1A6A1}" type="datetimeFigureOut">
               <a:rPr lang="en-NL" smtClean="0"/>
-              <a:t>11/07/2025</a:t>
+              <a:t>12/07/2025</a:t>
             </a:fld>
             <a:endParaRPr lang="en-NL"/>
           </a:p>
@@ -2398,7 +2398,7 @@
           <a:p>
             <a:fld id="{3A3DAC69-0AA4-486B-8CBF-6B9058B1A6A1}" type="datetimeFigureOut">
               <a:rPr lang="en-NL" smtClean="0"/>
-              <a:t>11/07/2025</a:t>
+              <a:t>12/07/2025</a:t>
             </a:fld>
             <a:endParaRPr lang="en-NL"/>
           </a:p>
@@ -2687,7 +2687,7 @@
           <a:p>
             <a:fld id="{3A3DAC69-0AA4-486B-8CBF-6B9058B1A6A1}" type="datetimeFigureOut">
               <a:rPr lang="en-NL" smtClean="0"/>
-              <a:t>11/07/2025</a:t>
+              <a:t>12/07/2025</a:t>
             </a:fld>
             <a:endParaRPr lang="en-NL"/>
           </a:p>
@@ -2930,7 +2930,7 @@
           <a:p>
             <a:fld id="{3A3DAC69-0AA4-486B-8CBF-6B9058B1A6A1}" type="datetimeFigureOut">
               <a:rPr lang="en-NL" smtClean="0"/>
-              <a:t>11/07/2025</a:t>
+              <a:t>12/07/2025</a:t>
             </a:fld>
             <a:endParaRPr lang="en-NL"/>
           </a:p>
@@ -3349,10 +3349,10 @@
       </p:grpSpPr>
       <p:pic>
         <p:nvPicPr>
-          <p:cNvPr id="3" name="Picture 2">
-            <a:extLst>
-              <a:ext uri="{FF2B5EF4-FFF2-40B4-BE49-F238E27FC236}">
-                <a16:creationId xmlns:a16="http://schemas.microsoft.com/office/drawing/2014/main" id="{12B46B4F-5EB7-849B-BA32-667A94E5C75F}"/>
+          <p:cNvPr id="5" name="Picture 4">
+            <a:extLst>
+              <a:ext uri="{FF2B5EF4-FFF2-40B4-BE49-F238E27FC236}">
+                <a16:creationId xmlns:a16="http://schemas.microsoft.com/office/drawing/2014/main" id="{90FE7C77-4A05-8A9D-6796-CC615C85B341}"/>
               </a:ext>
             </a:extLst>
           </p:cNvPr>
@@ -3369,8 +3369,8 @@
         </p:blipFill>
         <p:spPr>
           <a:xfrm>
-            <a:off x="396067" y="662993"/>
-            <a:ext cx="2825895" cy="2273417"/>
+            <a:off x="9182824" y="3423267"/>
+            <a:ext cx="2648086" cy="2254366"/>
           </a:xfrm>
           <a:prstGeom prst="rect">
             <a:avLst/>
@@ -3379,10 +3379,10 @@
       </p:pic>
       <p:pic>
         <p:nvPicPr>
-          <p:cNvPr id="6" name="Picture 5">
-            <a:extLst>
-              <a:ext uri="{FF2B5EF4-FFF2-40B4-BE49-F238E27FC236}">
-                <a16:creationId xmlns:a16="http://schemas.microsoft.com/office/drawing/2014/main" id="{E3897D2D-8AF6-3F5E-F643-F47912CFDE35}"/>
+          <p:cNvPr id="9" name="Picture 8">
+            <a:extLst>
+              <a:ext uri="{FF2B5EF4-FFF2-40B4-BE49-F238E27FC236}">
+                <a16:creationId xmlns:a16="http://schemas.microsoft.com/office/drawing/2014/main" id="{8899C063-DB39-D657-1C29-C604FE18AC04}"/>
               </a:ext>
             </a:extLst>
           </p:cNvPr>
@@ -3399,8 +3399,8 @@
         </p:blipFill>
         <p:spPr>
           <a:xfrm>
-            <a:off x="3464162" y="701095"/>
-            <a:ext cx="2940201" cy="2235315"/>
+            <a:off x="6096000" y="3401040"/>
+            <a:ext cx="3149762" cy="2190863"/>
           </a:xfrm>
           <a:prstGeom prst="rect">
             <a:avLst/>
@@ -3409,10 +3409,10 @@
       </p:pic>
       <p:pic>
         <p:nvPicPr>
-          <p:cNvPr id="10" name="Picture 9">
-            <a:extLst>
-              <a:ext uri="{FF2B5EF4-FFF2-40B4-BE49-F238E27FC236}">
-                <a16:creationId xmlns:a16="http://schemas.microsoft.com/office/drawing/2014/main" id="{C3AA75F1-C66F-C3BD-546A-599BCFEAFCEC}"/>
+          <p:cNvPr id="17" name="Picture 16">
+            <a:extLst>
+              <a:ext uri="{FF2B5EF4-FFF2-40B4-BE49-F238E27FC236}">
+                <a16:creationId xmlns:a16="http://schemas.microsoft.com/office/drawing/2014/main" id="{30BA745A-4DC9-05B6-6E75-1D4161754D2F}"/>
               </a:ext>
             </a:extLst>
           </p:cNvPr>
@@ -3429,8 +3429,8 @@
         </p:blipFill>
         <p:spPr>
           <a:xfrm>
-            <a:off x="9355182" y="901130"/>
-            <a:ext cx="2590933" cy="1835244"/>
+            <a:off x="3308784" y="3416916"/>
+            <a:ext cx="2863997" cy="2267067"/>
           </a:xfrm>
           <a:prstGeom prst="rect">
             <a:avLst/>
@@ -3439,10 +3439,10 @@
       </p:pic>
       <p:pic>
         <p:nvPicPr>
-          <p:cNvPr id="12" name="Picture 11">
-            <a:extLst>
-              <a:ext uri="{FF2B5EF4-FFF2-40B4-BE49-F238E27FC236}">
-                <a16:creationId xmlns:a16="http://schemas.microsoft.com/office/drawing/2014/main" id="{40E848B2-5E91-ECB4-7A34-869648A96778}"/>
+          <p:cNvPr id="19" name="Picture 18">
+            <a:extLst>
+              <a:ext uri="{FF2B5EF4-FFF2-40B4-BE49-F238E27FC236}">
+                <a16:creationId xmlns:a16="http://schemas.microsoft.com/office/drawing/2014/main" id="{D3618438-2D7A-C01F-424D-444AFCD286FB}"/>
               </a:ext>
             </a:extLst>
           </p:cNvPr>
@@ -3459,8 +3459,8 @@
         </p:blipFill>
         <p:spPr>
           <a:xfrm>
-            <a:off x="6172781" y="631242"/>
-            <a:ext cx="2876698" cy="2305168"/>
+            <a:off x="0" y="3423267"/>
+            <a:ext cx="3168813" cy="2209914"/>
           </a:xfrm>
           <a:prstGeom prst="rect">
             <a:avLst/>
@@ -3469,10 +3469,10 @@
       </p:pic>
       <p:pic>
         <p:nvPicPr>
-          <p:cNvPr id="14" name="Picture 13">
-            <a:extLst>
-              <a:ext uri="{FF2B5EF4-FFF2-40B4-BE49-F238E27FC236}">
-                <a16:creationId xmlns:a16="http://schemas.microsoft.com/office/drawing/2014/main" id="{CF5E5008-5906-401C-5594-EBEBDB7910E7}"/>
+          <p:cNvPr id="21" name="Picture 20">
+            <a:extLst>
+              <a:ext uri="{FF2B5EF4-FFF2-40B4-BE49-F238E27FC236}">
+                <a16:creationId xmlns:a16="http://schemas.microsoft.com/office/drawing/2014/main" id="{B1A9C80E-7A80-F531-78A4-3B6B970C447E}"/>
               </a:ext>
             </a:extLst>
           </p:cNvPr>
@@ -3489,8 +3489,8 @@
         </p:blipFill>
         <p:spPr>
           <a:xfrm>
-            <a:off x="361090" y="3315312"/>
-            <a:ext cx="2730640" cy="2362321"/>
+            <a:off x="9002944" y="694745"/>
+            <a:ext cx="2997354" cy="2178162"/>
           </a:xfrm>
           <a:prstGeom prst="rect">
             <a:avLst/>
@@ -3499,10 +3499,10 @@
       </p:pic>
       <p:pic>
         <p:nvPicPr>
-          <p:cNvPr id="16" name="Picture 15">
-            <a:extLst>
-              <a:ext uri="{FF2B5EF4-FFF2-40B4-BE49-F238E27FC236}">
-                <a16:creationId xmlns:a16="http://schemas.microsoft.com/office/drawing/2014/main" id="{92374750-5F63-BD1D-D123-210345E8E79E}"/>
+          <p:cNvPr id="23" name="Picture 22">
+            <a:extLst>
+              <a:ext uri="{FF2B5EF4-FFF2-40B4-BE49-F238E27FC236}">
+                <a16:creationId xmlns:a16="http://schemas.microsoft.com/office/drawing/2014/main" id="{3AAE9C39-93A2-BCB3-5986-79A2F6E708A5}"/>
               </a:ext>
             </a:extLst>
           </p:cNvPr>
@@ -3519,8 +3519,8 @@
         </p:blipFill>
         <p:spPr>
           <a:xfrm>
-            <a:off x="3464162" y="3319060"/>
-            <a:ext cx="2533780" cy="2082907"/>
+            <a:off x="6510999" y="624891"/>
+            <a:ext cx="2876698" cy="2311519"/>
           </a:xfrm>
           <a:prstGeom prst="rect">
             <a:avLst/>
@@ -3529,10 +3529,10 @@
       </p:pic>
       <p:pic>
         <p:nvPicPr>
-          <p:cNvPr id="31" name="Picture 30">
-            <a:extLst>
-              <a:ext uri="{FF2B5EF4-FFF2-40B4-BE49-F238E27FC236}">
-                <a16:creationId xmlns:a16="http://schemas.microsoft.com/office/drawing/2014/main" id="{8F7DF1E1-BDA7-698F-9C21-132A0B0E2A24}"/>
+          <p:cNvPr id="25" name="Picture 24">
+            <a:extLst>
+              <a:ext uri="{FF2B5EF4-FFF2-40B4-BE49-F238E27FC236}">
+                <a16:creationId xmlns:a16="http://schemas.microsoft.com/office/drawing/2014/main" id="{9B6455F6-16B6-4227-46A3-357611414062}"/>
               </a:ext>
             </a:extLst>
           </p:cNvPr>
@@ -3549,8 +3549,8 @@
         </p:blipFill>
         <p:spPr>
           <a:xfrm>
-            <a:off x="6172781" y="3185702"/>
-            <a:ext cx="2952902" cy="2349621"/>
+            <a:off x="3086739" y="726833"/>
+            <a:ext cx="2883048" cy="2235315"/>
           </a:xfrm>
           <a:prstGeom prst="rect">
             <a:avLst/>
@@ -3559,10 +3559,10 @@
       </p:pic>
       <p:pic>
         <p:nvPicPr>
-          <p:cNvPr id="33" name="Picture 32">
-            <a:extLst>
-              <a:ext uri="{FF2B5EF4-FFF2-40B4-BE49-F238E27FC236}">
-                <a16:creationId xmlns:a16="http://schemas.microsoft.com/office/drawing/2014/main" id="{234F717D-E84A-DCDE-A4E4-6F5450BA8B44}"/>
+          <p:cNvPr id="27" name="Picture 26">
+            <a:extLst>
+              <a:ext uri="{FF2B5EF4-FFF2-40B4-BE49-F238E27FC236}">
+                <a16:creationId xmlns:a16="http://schemas.microsoft.com/office/drawing/2014/main" id="{06E0AA99-6F3E-9C94-A706-CE97528F55F0}"/>
               </a:ext>
             </a:extLst>
           </p:cNvPr>
@@ -3579,8 +3579,8 @@
         </p:blipFill>
         <p:spPr>
           <a:xfrm>
-            <a:off x="9355182" y="3429000"/>
-            <a:ext cx="2514729" cy="2057506"/>
+            <a:off x="394201" y="694745"/>
+            <a:ext cx="2692538" cy="2159111"/>
           </a:xfrm>
           <a:prstGeom prst="rect">
             <a:avLst/>
